--- a/program/pc2/tutorial.pptx
+++ b/program/pc2/tutorial.pptx
@@ -7,6 +7,8 @@
   <p:sldIdLst>
     <p:sldId id="256" r:id="rId2"/>
     <p:sldId id="257" r:id="rId3"/>
+    <p:sldId id="259" r:id="rId4"/>
+    <p:sldId id="258" r:id="rId5"/>
   </p:sldIdLst>
   <p:sldSz cx="12192000" cy="6858000"/>
   <p:notesSz cx="6858000" cy="9144000"/>
@@ -105,6 +107,11 @@
       </a:defRPr>
     </a:lvl9pPr>
   </p:defaultTextStyle>
+  <p:extLst>
+    <p:ext uri="{EFAFB233-063F-42B5-8137-9DF3F51BA10A}">
+      <p15:sldGuideLst xmlns:p15="http://schemas.microsoft.com/office/powerpoint/2012/main"/>
+    </p:ext>
+  </p:extLst>
 </p:presentation>
 </file>
 
@@ -3406,13 +3413,13 @@
         </p:nvSpPr>
         <p:spPr>
           <a:xfrm>
-            <a:off x="804746" y="387117"/>
-            <a:ext cx="10515600" cy="6114043"/>
+            <a:off x="0" y="0"/>
+            <a:ext cx="12192000" cy="6858000"/>
           </a:xfrm>
         </p:spPr>
         <p:txBody>
           <a:bodyPr>
-            <a:normAutofit fontScale="92500" lnSpcReduction="10000"/>
+            <a:normAutofit/>
           </a:bodyPr>
           <a:lstStyle/>
           <a:p>
@@ -3420,71 +3427,71 @@
               <a:buNone/>
             </a:pPr>
             <a:r>
-              <a:rPr lang="en-US" altLang="zh-Hant" dirty="0"/>
+              <a:rPr lang="en-US" altLang="zh-Hant" sz="4000" dirty="0"/>
               <a:t>Step</a:t>
             </a:r>
             <a:r>
-              <a:rPr lang="zh-Hant" altLang="en-US" dirty="0"/>
+              <a:rPr lang="zh-Hant" altLang="en-US" sz="4000" dirty="0"/>
               <a:t> </a:t>
             </a:r>
             <a:r>
-              <a:rPr lang="en-US" altLang="zh-Hant" dirty="0"/>
+              <a:rPr lang="en-US" altLang="zh-Hant" sz="4000" dirty="0"/>
               <a:t>1.</a:t>
             </a:r>
             <a:r>
-              <a:rPr lang="zh-Hant" altLang="en-US" dirty="0"/>
+              <a:rPr lang="zh-Hant" altLang="en-US" sz="4000" dirty="0"/>
               <a:t> </a:t>
             </a:r>
             <a:r>
-              <a:rPr lang="en-US" altLang="zh-Hant" dirty="0"/>
+              <a:rPr lang="en-US" altLang="zh-Hant" sz="4000" dirty="0"/>
               <a:t>/</a:t>
             </a:r>
             <a:r>
-              <a:rPr lang="zh-Hant" altLang="en-US" dirty="0"/>
+              <a:rPr lang="zh-Hant" altLang="en-US" sz="4000" dirty="0"/>
               <a:t>* </a:t>
             </a:r>
             <a:r>
-              <a:rPr lang="en-US" altLang="zh-Hant" dirty="0"/>
+              <a:rPr lang="en-US" altLang="zh-Hant" sz="4000" dirty="0"/>
               <a:t>Download</a:t>
             </a:r>
             <a:r>
-              <a:rPr lang="zh-Hant" altLang="en-US" dirty="0"/>
+              <a:rPr lang="zh-Hant" altLang="en-US" sz="4000" dirty="0"/>
               <a:t> </a:t>
             </a:r>
             <a:r>
-              <a:rPr lang="en-US" altLang="zh-Hant" dirty="0"/>
+              <a:rPr lang="en-US" altLang="zh-Hant" sz="4000" dirty="0"/>
               <a:t>script</a:t>
             </a:r>
             <a:r>
-              <a:rPr lang="zh-Hant" altLang="en-US" dirty="0"/>
+              <a:rPr lang="zh-Hant" altLang="en-US" sz="4000" dirty="0"/>
               <a:t> </a:t>
             </a:r>
             <a:r>
-              <a:rPr lang="en-US" altLang="zh-Hant" dirty="0"/>
+              <a:rPr lang="en-US" altLang="zh-Hant" sz="4000" dirty="0"/>
               <a:t>to</a:t>
             </a:r>
             <a:r>
-              <a:rPr lang="zh-Hant" altLang="en-US" dirty="0"/>
+              <a:rPr lang="zh-Hant" altLang="en-US" sz="4000" dirty="0"/>
               <a:t> </a:t>
             </a:r>
             <a:r>
-              <a:rPr lang="en-US" altLang="zh-Hant" dirty="0"/>
+              <a:rPr lang="en-US" altLang="zh-Hant" sz="4000" dirty="0"/>
               <a:t>your</a:t>
             </a:r>
             <a:r>
-              <a:rPr lang="zh-Hant" altLang="en-US" dirty="0"/>
+              <a:rPr lang="zh-Hant" altLang="en-US" sz="4000" dirty="0"/>
               <a:t> </a:t>
             </a:r>
             <a:r>
-              <a:rPr lang="en-US" altLang="zh-Hant" dirty="0"/>
+              <a:rPr lang="en-US" altLang="zh-Hant" sz="4000" dirty="0"/>
               <a:t>desktop.</a:t>
             </a:r>
             <a:r>
-              <a:rPr lang="zh-Hant" altLang="en-US" dirty="0"/>
+              <a:rPr lang="zh-Hant" altLang="en-US" sz="4000" dirty="0"/>
               <a:t> *</a:t>
             </a:r>
             <a:r>
-              <a:rPr lang="en-US" altLang="zh-Hant" dirty="0"/>
+              <a:rPr lang="en-US" altLang="zh-Hant" sz="4000" dirty="0"/>
               <a:t>/</a:t>
             </a:r>
           </a:p>
@@ -3493,69 +3500,69 @@
               <a:buNone/>
             </a:pPr>
             <a:r>
-              <a:rPr lang="en-US" dirty="0"/>
+              <a:rPr lang="en-US" sz="4000" dirty="0"/>
               <a:t>	</a:t>
             </a:r>
             <a:r>
-              <a:rPr lang="en-US" altLang="zh-Hant" dirty="0">
+              <a:rPr lang="en-US" altLang="zh-Hant" sz="4000" dirty="0">
                 <a:hlinkClick r:id="rId2"/>
               </a:rPr>
               <a:t>https://link_of_script.com</a:t>
             </a:r>
-            <a:endParaRPr lang="en-US" dirty="0"/>
+            <a:endParaRPr lang="en-US" sz="4000" dirty="0"/>
           </a:p>
           <a:p>
             <a:pPr marL="0" indent="0">
               <a:buNone/>
             </a:pPr>
-            <a:endParaRPr lang="en-US" dirty="0"/>
+            <a:endParaRPr lang="en-US" sz="4000" dirty="0"/>
           </a:p>
           <a:p>
             <a:pPr marL="0" indent="0">
               <a:buNone/>
             </a:pPr>
             <a:r>
-              <a:rPr lang="en-US" altLang="zh-Hant" dirty="0"/>
+              <a:rPr lang="en-US" altLang="zh-Hant" sz="4000" dirty="0"/>
               <a:t>Step</a:t>
             </a:r>
             <a:r>
-              <a:rPr lang="zh-Hant" altLang="en-US" dirty="0"/>
+              <a:rPr lang="zh-Hant" altLang="en-US" sz="4000" dirty="0"/>
               <a:t> </a:t>
             </a:r>
             <a:r>
-              <a:rPr lang="en-US" altLang="zh-Hant" dirty="0"/>
+              <a:rPr lang="en-US" altLang="zh-Hant" sz="4000" dirty="0"/>
               <a:t>2.</a:t>
             </a:r>
             <a:r>
-              <a:rPr lang="zh-Hant" altLang="en-US" dirty="0"/>
+              <a:rPr lang="zh-Hant" altLang="en-US" sz="4000" dirty="0"/>
               <a:t> </a:t>
             </a:r>
             <a:r>
-              <a:rPr lang="en-US" altLang="zh-Hant" dirty="0"/>
+              <a:rPr lang="en-US" altLang="zh-Hant" sz="4000" dirty="0"/>
               <a:t>/</a:t>
             </a:r>
             <a:r>
-              <a:rPr lang="zh-Hant" altLang="en-US" dirty="0"/>
+              <a:rPr lang="zh-Hant" altLang="en-US" sz="4000" dirty="0"/>
               <a:t>* </a:t>
             </a:r>
             <a:r>
-              <a:rPr lang="en-US" altLang="zh-Hant" dirty="0"/>
+              <a:rPr lang="en-US" altLang="zh-Hant" sz="4000" dirty="0"/>
               <a:t>Open</a:t>
             </a:r>
             <a:r>
-              <a:rPr lang="zh-Hant" altLang="en-US" dirty="0"/>
+              <a:rPr lang="zh-Hant" altLang="en-US" sz="4000" dirty="0"/>
               <a:t> </a:t>
             </a:r>
             <a:r>
-              <a:rPr lang="en-US" altLang="zh-Hant" dirty="0"/>
+              <a:rPr lang="en-US" altLang="zh-Hant" sz="4000" dirty="0"/>
               <a:t>Terminal</a:t>
             </a:r>
             <a:r>
-              <a:rPr lang="zh-Hant" altLang="en-US" dirty="0"/>
+              <a:rPr lang="zh-Hant" altLang="en-US" sz="4000" dirty="0"/>
               <a:t> *</a:t>
             </a:r>
             <a:r>
-              <a:rPr lang="en-US" altLang="zh-Hant" dirty="0"/>
+              <a:rPr lang="en-US" altLang="zh-Hant" sz="4000" dirty="0"/>
               <a:t>/</a:t>
             </a:r>
           </a:p>
@@ -3564,43 +3571,43 @@
               <a:buNone/>
             </a:pPr>
             <a:r>
-              <a:rPr lang="en-US" dirty="0"/>
+              <a:rPr lang="en-US" sz="4000" dirty="0"/>
               <a:t>	</a:t>
             </a:r>
             <a:r>
-              <a:rPr lang="en-US" altLang="zh-Hant" dirty="0"/>
+              <a:rPr lang="en-US" altLang="zh-Hant" sz="4000" dirty="0"/>
               <a:t>Ctrl</a:t>
             </a:r>
             <a:r>
-              <a:rPr lang="zh-Hant" altLang="en-US" dirty="0"/>
+              <a:rPr lang="zh-Hant" altLang="en-US" sz="4000" dirty="0"/>
               <a:t> </a:t>
             </a:r>
             <a:r>
-              <a:rPr lang="en-US" altLang="zh-Hant" dirty="0"/>
+              <a:rPr lang="en-US" altLang="zh-Hant" sz="4000" dirty="0"/>
               <a:t>+</a:t>
             </a:r>
             <a:r>
-              <a:rPr lang="zh-Hant" altLang="en-US" dirty="0"/>
+              <a:rPr lang="zh-Hant" altLang="en-US" sz="4000" dirty="0"/>
               <a:t> </a:t>
             </a:r>
             <a:r>
-              <a:rPr lang="en-US" altLang="zh-Hant" dirty="0"/>
+              <a:rPr lang="en-US" altLang="zh-Hant" sz="4000" dirty="0"/>
               <a:t>Alt</a:t>
             </a:r>
             <a:r>
-              <a:rPr lang="zh-Hant" altLang="en-US" dirty="0"/>
+              <a:rPr lang="zh-Hant" altLang="en-US" sz="4000" dirty="0"/>
               <a:t> </a:t>
             </a:r>
             <a:r>
-              <a:rPr lang="en-US" altLang="zh-Hant" dirty="0"/>
+              <a:rPr lang="en-US" altLang="zh-Hant" sz="4000" dirty="0"/>
               <a:t>+</a:t>
             </a:r>
             <a:r>
-              <a:rPr lang="zh-Hant" altLang="en-US" dirty="0"/>
+              <a:rPr lang="zh-Hant" altLang="en-US" sz="4000" dirty="0"/>
               <a:t> </a:t>
             </a:r>
             <a:r>
-              <a:rPr lang="en-US" altLang="zh-Hant" dirty="0"/>
+              <a:rPr lang="en-US" altLang="zh-Hant" sz="4000" dirty="0"/>
               <a:t>T</a:t>
             </a:r>
           </a:p>
@@ -3608,295 +3615,173 @@
             <a:pPr marL="0" indent="0">
               <a:buNone/>
             </a:pPr>
-            <a:endParaRPr lang="en-US" dirty="0"/>
+            <a:endParaRPr lang="en-US" sz="4000" dirty="0"/>
           </a:p>
           <a:p>
             <a:pPr marL="0" indent="0">
               <a:buNone/>
             </a:pPr>
             <a:r>
-              <a:rPr lang="en-US" altLang="zh-Hant" dirty="0"/>
+              <a:rPr lang="en-US" altLang="zh-Hant" sz="4000" dirty="0"/>
               <a:t>Step</a:t>
             </a:r>
             <a:r>
-              <a:rPr lang="zh-Hant" altLang="en-US" dirty="0"/>
+              <a:rPr lang="zh-Hant" altLang="en-US" sz="4000" dirty="0"/>
               <a:t> </a:t>
             </a:r>
             <a:r>
-              <a:rPr lang="en-US" altLang="zh-Hant" dirty="0"/>
+              <a:rPr lang="en-US" altLang="zh-Hant" sz="4000" dirty="0"/>
               <a:t>3.</a:t>
             </a:r>
             <a:r>
-              <a:rPr lang="zh-Hant" altLang="en-US" dirty="0"/>
+              <a:rPr lang="zh-Hant" altLang="en-US" sz="4000" dirty="0"/>
               <a:t> </a:t>
             </a:r>
             <a:r>
-              <a:rPr lang="en-US" altLang="zh-Hant" dirty="0"/>
+              <a:rPr lang="en-US" altLang="zh-Hant" sz="4000" dirty="0"/>
               <a:t>/</a:t>
             </a:r>
             <a:r>
-              <a:rPr lang="zh-Hant" altLang="en-US" dirty="0"/>
+              <a:rPr lang="zh-Hant" altLang="en-US" sz="4000" dirty="0"/>
               <a:t>* </a:t>
             </a:r>
             <a:r>
-              <a:rPr lang="en-US" altLang="zh-Hant" dirty="0"/>
-              <a:t>Change</a:t>
-            </a:r>
-            <a:r>
-              <a:rPr lang="zh-Hant" altLang="en-US" dirty="0"/>
+              <a:rPr lang="en-US" altLang="zh-Hant" sz="4000" dirty="0"/>
+              <a:t>execute</a:t>
+            </a:r>
+            <a:r>
+              <a:rPr lang="zh-Hant" altLang="en-US" sz="4000" dirty="0"/>
               <a:t> </a:t>
             </a:r>
             <a:r>
-              <a:rPr lang="en-US" altLang="zh-Hant" dirty="0"/>
-              <a:t>Permission</a:t>
-            </a:r>
-            <a:r>
-              <a:rPr lang="zh-Hant" altLang="en-US" dirty="0"/>
+              <a:rPr lang="en-US" altLang="zh-Hant" sz="4000" dirty="0"/>
+              <a:t>“</a:t>
+            </a:r>
+            <a:r>
+              <a:rPr lang="en-US" altLang="zh-Hant" sz="4000" dirty="0" err="1"/>
+              <a:t>script_xxxxxxx.sh</a:t>
+            </a:r>
+            <a:r>
+              <a:rPr lang="en-US" altLang="zh-Hant" sz="4000" dirty="0"/>
+              <a:t>”</a:t>
+            </a:r>
+            <a:r>
+              <a:rPr lang="zh-Hant" altLang="en-US" sz="4000" dirty="0"/>
               <a:t> </a:t>
             </a:r>
             <a:r>
-              <a:rPr lang="en-US" altLang="zh-Hant" dirty="0"/>
-              <a:t>of</a:t>
-            </a:r>
-            <a:r>
-              <a:rPr lang="zh-Hant" altLang="en-US" dirty="0"/>
+              <a:rPr lang="en-US" altLang="zh-Hant" sz="4000" dirty="0"/>
+              <a:t>[in</a:t>
+            </a:r>
+            <a:r>
+              <a:rPr lang="zh-Hant" altLang="en-US" sz="4000" dirty="0"/>
               <a:t> </a:t>
             </a:r>
             <a:r>
-              <a:rPr lang="en-US" altLang="zh-Hant" dirty="0"/>
-              <a:t>script</a:t>
-            </a:r>
-            <a:r>
-              <a:rPr lang="zh-Hant" altLang="en-US" dirty="0"/>
+              <a:rPr lang="en-US" altLang="zh-Hant" sz="4000" dirty="0"/>
+              <a:t>terminal]</a:t>
+            </a:r>
+            <a:r>
+              <a:rPr lang="zh-Hant" altLang="en-US" sz="4000" dirty="0"/>
+              <a:t> *</a:t>
+            </a:r>
+            <a:r>
+              <a:rPr lang="en-US" altLang="zh-Hant" sz="4000" dirty="0"/>
+              <a:t>/</a:t>
+            </a:r>
+          </a:p>
+          <a:p>
+            <a:pPr marL="0" indent="0">
+              <a:buNone/>
+            </a:pPr>
+            <a:r>
+              <a:rPr lang="en-US" altLang="zh-Hant" sz="4000" dirty="0"/>
+              <a:t>	$</a:t>
+            </a:r>
+            <a:r>
+              <a:rPr lang="zh-Hant" altLang="en-US" sz="4000" dirty="0"/>
+              <a:t>  </a:t>
+            </a:r>
+            <a:r>
+              <a:rPr lang="en-US" altLang="zh-Hant" sz="4000" dirty="0"/>
+              <a:t>bash</a:t>
+            </a:r>
+            <a:r>
+              <a:rPr lang="zh-Hant" altLang="en-US" sz="4000" dirty="0"/>
+              <a:t>  </a:t>
+            </a:r>
+            <a:r>
+              <a:rPr lang="en-US" altLang="zh-Hant" sz="4000" dirty="0"/>
+              <a:t>~/Desktop/</a:t>
+            </a:r>
+            <a:r>
+              <a:rPr lang="en-US" altLang="zh-Hant" sz="4000" dirty="0" err="1"/>
+              <a:t>script.sh</a:t>
+            </a:r>
+            <a:endParaRPr lang="en-US" altLang="zh-Hant" sz="4000" dirty="0"/>
+          </a:p>
+          <a:p>
+            <a:pPr marL="0" indent="0">
+              <a:buNone/>
+            </a:pPr>
+            <a:endParaRPr lang="en-US" sz="4000" dirty="0"/>
+          </a:p>
+          <a:p>
+            <a:pPr marL="0" indent="0">
+              <a:buNone/>
+            </a:pPr>
+            <a:r>
+              <a:rPr lang="en-US" altLang="zh-Hant" sz="4000" dirty="0"/>
+              <a:t>Step</a:t>
+            </a:r>
+            <a:r>
+              <a:rPr lang="zh-Hant" altLang="en-US" sz="4000" dirty="0"/>
               <a:t> </a:t>
             </a:r>
             <a:r>
-              <a:rPr lang="en-US" altLang="zh-Hant" dirty="0"/>
-              <a:t>[in</a:t>
-            </a:r>
-            <a:r>
-              <a:rPr lang="zh-Hant" altLang="en-US" dirty="0"/>
+              <a:rPr lang="en-US" altLang="zh-Hant" sz="4000" dirty="0"/>
+              <a:t>4.</a:t>
+            </a:r>
+            <a:r>
+              <a:rPr lang="zh-Hant" altLang="en-US" sz="4000" dirty="0"/>
               <a:t> </a:t>
             </a:r>
             <a:r>
-              <a:rPr lang="en-US" altLang="zh-Hant" dirty="0"/>
-              <a:t>terminal]</a:t>
-            </a:r>
-            <a:r>
-              <a:rPr lang="zh-Hant" altLang="en-US" dirty="0"/>
+              <a:rPr lang="en-US" altLang="zh-Hant" sz="4000" dirty="0"/>
+              <a:t>/</a:t>
+            </a:r>
+            <a:r>
+              <a:rPr lang="zh-Hant" altLang="en-US" sz="4000" dirty="0"/>
+              <a:t>* </a:t>
+            </a:r>
+            <a:r>
+              <a:rPr lang="en-US" altLang="zh-Hant" sz="4000" dirty="0"/>
+              <a:t>check</a:t>
+            </a:r>
+            <a:r>
+              <a:rPr lang="zh-Hant" altLang="en-US" sz="4000" dirty="0"/>
+              <a:t> </a:t>
+            </a:r>
+            <a:r>
+              <a:rPr lang="en-US" altLang="zh-Hant" sz="4000" dirty="0"/>
+              <a:t>your</a:t>
+            </a:r>
+            <a:r>
+              <a:rPr lang="zh-Hant" altLang="en-US" sz="4000" dirty="0"/>
+              <a:t> </a:t>
+            </a:r>
+            <a:r>
+              <a:rPr lang="en-US" altLang="zh-Hant" sz="4000" dirty="0"/>
+              <a:t>desktop.</a:t>
+            </a:r>
+            <a:r>
+              <a:rPr lang="zh-Hant" altLang="en-US" sz="4000" dirty="0"/>
               <a:t> *</a:t>
             </a:r>
             <a:r>
-              <a:rPr lang="en-US" altLang="zh-Hant" dirty="0"/>
+              <a:rPr lang="en-US" altLang="zh-Hant" sz="4000" dirty="0"/>
               <a:t>/</a:t>
             </a:r>
-          </a:p>
-          <a:p>
-            <a:pPr marL="0" indent="0">
-              <a:buNone/>
-            </a:pPr>
-            <a:r>
-              <a:rPr lang="en-US" dirty="0"/>
-              <a:t>	</a:t>
-            </a:r>
-            <a:r>
-              <a:rPr lang="en-US" altLang="zh-Hant" dirty="0"/>
-              <a:t>$</a:t>
-            </a:r>
-            <a:r>
-              <a:rPr lang="zh-Hant" altLang="en-US" dirty="0"/>
-              <a:t> </a:t>
-            </a:r>
-            <a:r>
-              <a:rPr lang="en-US" altLang="zh-Hant" dirty="0" err="1"/>
-              <a:t>chmod</a:t>
-            </a:r>
-            <a:r>
-              <a:rPr lang="zh-Hant" altLang="en-US" dirty="0"/>
-              <a:t> </a:t>
-            </a:r>
-            <a:r>
-              <a:rPr lang="en-US" altLang="zh-Hant" dirty="0"/>
-              <a:t>+x</a:t>
-            </a:r>
-            <a:r>
-              <a:rPr lang="zh-Hant" altLang="en-US" dirty="0"/>
-              <a:t>   </a:t>
-            </a:r>
-            <a:r>
-              <a:rPr lang="en-US" altLang="zh-Hant" dirty="0"/>
-              <a:t>~/Desktop/</a:t>
-            </a:r>
-            <a:r>
-              <a:rPr lang="en-US" altLang="zh-Hant" dirty="0" err="1"/>
-              <a:t>script.sh</a:t>
-            </a:r>
-            <a:endParaRPr lang="en-US" altLang="zh-Hant" dirty="0"/>
-          </a:p>
-          <a:p>
-            <a:pPr marL="0" indent="0">
-              <a:buNone/>
-            </a:pPr>
-            <a:endParaRPr lang="en-US" dirty="0"/>
-          </a:p>
-          <a:p>
-            <a:pPr marL="0" indent="0">
-              <a:buNone/>
-            </a:pPr>
-            <a:r>
-              <a:rPr lang="en-US" altLang="zh-Hant" dirty="0"/>
-              <a:t>Step</a:t>
-            </a:r>
-            <a:r>
-              <a:rPr lang="zh-Hant" altLang="en-US" dirty="0"/>
-              <a:t> </a:t>
-            </a:r>
-            <a:r>
-              <a:rPr lang="en-US" altLang="zh-Hant" dirty="0"/>
-              <a:t>4.</a:t>
-            </a:r>
-            <a:r>
-              <a:rPr lang="zh-Hant" altLang="en-US" dirty="0"/>
-              <a:t> </a:t>
-            </a:r>
-            <a:r>
-              <a:rPr lang="en-US" altLang="zh-Hant" dirty="0"/>
-              <a:t>/</a:t>
-            </a:r>
-            <a:r>
-              <a:rPr lang="zh-Hant" altLang="en-US" dirty="0"/>
-              <a:t>* </a:t>
-            </a:r>
-            <a:r>
-              <a:rPr lang="en-US" altLang="zh-Hant" dirty="0"/>
-              <a:t>execute</a:t>
-            </a:r>
-            <a:r>
-              <a:rPr lang="zh-Hant" altLang="en-US" dirty="0"/>
-              <a:t> </a:t>
-            </a:r>
-            <a:r>
-              <a:rPr lang="en-US" altLang="zh-Hant" dirty="0"/>
-              <a:t>“</a:t>
-            </a:r>
-            <a:r>
-              <a:rPr lang="en-US" altLang="zh-Hant" dirty="0" err="1"/>
-              <a:t>script.sh</a:t>
-            </a:r>
-            <a:r>
-              <a:rPr lang="en-US" altLang="zh-Hant" dirty="0"/>
-              <a:t>”</a:t>
-            </a:r>
-            <a:r>
-              <a:rPr lang="zh-Hant" altLang="en-US" dirty="0"/>
-              <a:t> </a:t>
-            </a:r>
-            <a:r>
-              <a:rPr lang="en-US" altLang="zh-Hant" dirty="0"/>
-              <a:t>[in</a:t>
-            </a:r>
-            <a:r>
-              <a:rPr lang="zh-Hant" altLang="en-US" dirty="0"/>
-              <a:t> </a:t>
-            </a:r>
-            <a:r>
-              <a:rPr lang="en-US" altLang="zh-Hant" dirty="0"/>
-              <a:t>terminal]</a:t>
-            </a:r>
-            <a:r>
-              <a:rPr lang="zh-Hant" altLang="en-US" dirty="0"/>
-              <a:t> *</a:t>
-            </a:r>
-            <a:r>
-              <a:rPr lang="en-US" altLang="zh-Hant" dirty="0"/>
-              <a:t>/</a:t>
-            </a:r>
-          </a:p>
-          <a:p>
-            <a:pPr marL="0" indent="0">
-              <a:buNone/>
-            </a:pPr>
-            <a:r>
-              <a:rPr lang="en-US" altLang="zh-Hant" dirty="0"/>
-              <a:t>	$</a:t>
-            </a:r>
-            <a:r>
-              <a:rPr lang="zh-Hant" altLang="en-US" dirty="0"/>
-              <a:t>   </a:t>
-            </a:r>
-            <a:r>
-              <a:rPr lang="en-US" altLang="zh-Hant" dirty="0"/>
-              <a:t>~/Desktop/</a:t>
-            </a:r>
-            <a:r>
-              <a:rPr lang="en-US" altLang="zh-Hant" dirty="0" err="1"/>
-              <a:t>script.sh</a:t>
-            </a:r>
-            <a:endParaRPr lang="en-US" altLang="zh-Hant" dirty="0"/>
-          </a:p>
-          <a:p>
-            <a:pPr marL="0" indent="0">
-              <a:buNone/>
-            </a:pPr>
-            <a:endParaRPr lang="en-US" dirty="0"/>
-          </a:p>
-          <a:p>
-            <a:pPr marL="0" indent="0">
-              <a:buNone/>
-            </a:pPr>
-            <a:r>
-              <a:rPr lang="en-US" altLang="zh-Hant" dirty="0"/>
-              <a:t>Step</a:t>
-            </a:r>
-            <a:r>
-              <a:rPr lang="zh-Hant" altLang="en-US" dirty="0"/>
-              <a:t> </a:t>
-            </a:r>
-            <a:r>
-              <a:rPr lang="en-US" altLang="zh-Hant" dirty="0"/>
-              <a:t>5.</a:t>
-            </a:r>
-            <a:r>
-              <a:rPr lang="zh-Hant" altLang="en-US" dirty="0"/>
-              <a:t> </a:t>
-            </a:r>
-            <a:r>
-              <a:rPr lang="en-US" altLang="zh-Hant" dirty="0"/>
-              <a:t>/</a:t>
-            </a:r>
-            <a:r>
-              <a:rPr lang="zh-Hant" altLang="en-US" dirty="0"/>
-              <a:t>* </a:t>
-            </a:r>
-            <a:r>
-              <a:rPr lang="en-US" altLang="zh-Hant" dirty="0"/>
-              <a:t>Check</a:t>
-            </a:r>
-            <a:r>
-              <a:rPr lang="zh-Hant" altLang="en-US" dirty="0"/>
-              <a:t> </a:t>
-            </a:r>
-            <a:r>
-              <a:rPr lang="en-US" altLang="zh-Hant" dirty="0"/>
-              <a:t>your</a:t>
-            </a:r>
-            <a:r>
-              <a:rPr lang="zh-Hant" altLang="en-US" dirty="0"/>
-              <a:t> </a:t>
-            </a:r>
-            <a:r>
-              <a:rPr lang="en-US" altLang="zh-Hant" dirty="0"/>
-              <a:t>desktop.</a:t>
-            </a:r>
-            <a:r>
-              <a:rPr lang="zh-Hant" altLang="en-US" dirty="0"/>
-              <a:t> *</a:t>
-            </a:r>
-            <a:r>
-              <a:rPr lang="en-US" altLang="zh-Hant" dirty="0"/>
-              <a:t>/</a:t>
-            </a:r>
-            <a:endParaRPr lang="en-US" dirty="0"/>
           </a:p>
         </p:txBody>
       </p:sp>
@@ -3904,6 +3789,236 @@
     <p:extLst>
       <p:ext uri="{BB962C8B-B14F-4D97-AF65-F5344CB8AC3E}">
         <p14:creationId xmlns:p14="http://schemas.microsoft.com/office/powerpoint/2010/main" val="909034572"/>
+      </p:ext>
+    </p:extLst>
+  </p:cSld>
+  <p:clrMapOvr>
+    <a:masterClrMapping/>
+  </p:clrMapOvr>
+</p:sld>
+</file>
+
+<file path=ppt/slides/slide3.xml><?xml version="1.0" encoding="utf-8"?>
+<p:sld xmlns:a="http://schemas.openxmlformats.org/drawingml/2006/main" xmlns:r="http://schemas.openxmlformats.org/officeDocument/2006/relationships" xmlns:p="http://schemas.openxmlformats.org/presentationml/2006/main">
+  <p:cSld>
+    <p:spTree>
+      <p:nvGrpSpPr>
+        <p:cNvPr id="1" name=""/>
+        <p:cNvGrpSpPr/>
+        <p:nvPr/>
+      </p:nvGrpSpPr>
+      <p:grpSpPr>
+        <a:xfrm>
+          <a:off x="0" y="0"/>
+          <a:ext cx="0" cy="0"/>
+          <a:chOff x="0" y="0"/>
+          <a:chExt cx="0" cy="0"/>
+        </a:xfrm>
+      </p:grpSpPr>
+      <p:sp>
+        <p:nvSpPr>
+          <p:cNvPr id="2" name="Title 1">
+            <a:extLst>
+              <a:ext uri="{FF2B5EF4-FFF2-40B4-BE49-F238E27FC236}">
+                <a16:creationId xmlns:a16="http://schemas.microsoft.com/office/drawing/2014/main" id="{F8F9E036-818E-BC4C-A96A-B7D346C7F8E6}"/>
+              </a:ext>
+            </a:extLst>
+          </p:cNvPr>
+          <p:cNvSpPr>
+            <a:spLocks noGrp="1"/>
+          </p:cNvSpPr>
+          <p:nvPr>
+            <p:ph type="title"/>
+          </p:nvPr>
+        </p:nvSpPr>
+        <p:spPr/>
+        <p:txBody>
+          <a:bodyPr>
+            <a:normAutofit/>
+          </a:bodyPr>
+          <a:lstStyle/>
+          <a:p>
+            <a:r>
+              <a:rPr lang="en-US" altLang="zh-Hant" sz="7200" dirty="0"/>
+              <a:t>Application</a:t>
+            </a:r>
+            <a:r>
+              <a:rPr lang="zh-Hant" altLang="en-US" sz="7200" dirty="0"/>
+              <a:t> </a:t>
+            </a:r>
+            <a:r>
+              <a:rPr lang="en-US" altLang="zh-Hant" sz="7200" dirty="0"/>
+              <a:t>---</a:t>
+            </a:r>
+            <a:r>
+              <a:rPr lang="zh-Hant" altLang="en-US" sz="7200" dirty="0"/>
+              <a:t> </a:t>
+            </a:r>
+            <a:r>
+              <a:rPr lang="en-US" altLang="zh-Hant" sz="7200" dirty="0"/>
+              <a:t>PC^2</a:t>
+            </a:r>
+            <a:endParaRPr lang="en-US" sz="7200" dirty="0"/>
+          </a:p>
+        </p:txBody>
+      </p:sp>
+      <p:sp>
+        <p:nvSpPr>
+          <p:cNvPr id="4" name="Rectangle 3">
+            <a:extLst>
+              <a:ext uri="{FF2B5EF4-FFF2-40B4-BE49-F238E27FC236}">
+                <a16:creationId xmlns:a16="http://schemas.microsoft.com/office/drawing/2014/main" id="{C6A66F2F-F180-B24E-93C3-A5D4665E92D8}"/>
+              </a:ext>
+            </a:extLst>
+          </p:cNvPr>
+          <p:cNvSpPr/>
+          <p:nvPr/>
+        </p:nvSpPr>
+        <p:spPr>
+          <a:xfrm>
+            <a:off x="1336645" y="3132821"/>
+            <a:ext cx="9338967" cy="707886"/>
+          </a:xfrm>
+          <a:prstGeom prst="rect">
+            <a:avLst/>
+          </a:prstGeom>
+        </p:spPr>
+        <p:txBody>
+          <a:bodyPr wrap="none">
+            <a:spAutoFit/>
+          </a:bodyPr>
+          <a:lstStyle/>
+          <a:p>
+            <a:r>
+              <a:rPr lang="en-US" altLang="zh-Hant" sz="4000" dirty="0"/>
+              <a:t>/</a:t>
+            </a:r>
+            <a:r>
+              <a:rPr lang="zh-Hant" altLang="en-US" sz="4000" dirty="0"/>
+              <a:t>* </a:t>
+            </a:r>
+            <a:r>
+              <a:rPr lang="en-US" altLang="zh-Hant" sz="4000" dirty="0"/>
+              <a:t>open</a:t>
+            </a:r>
+            <a:r>
+              <a:rPr lang="zh-Hant" altLang="en-US" sz="4000" dirty="0"/>
+              <a:t> </a:t>
+            </a:r>
+            <a:r>
+              <a:rPr lang="en-US" altLang="zh-Hant" sz="4000" dirty="0"/>
+              <a:t>“pc2/bin/pc2team”</a:t>
+            </a:r>
+            <a:r>
+              <a:rPr lang="zh-Hant" altLang="en-US" sz="4000" dirty="0"/>
+              <a:t> </a:t>
+            </a:r>
+            <a:r>
+              <a:rPr lang="en-US" altLang="zh-Hant" sz="4000" dirty="0"/>
+              <a:t>from</a:t>
+            </a:r>
+            <a:r>
+              <a:rPr lang="zh-Hant" altLang="en-US" sz="4000" dirty="0"/>
+              <a:t> </a:t>
+            </a:r>
+            <a:r>
+              <a:rPr lang="en-US" altLang="zh-Hant" sz="4000" dirty="0"/>
+              <a:t>desktop</a:t>
+            </a:r>
+            <a:r>
+              <a:rPr lang="zh-Hant" altLang="en-US" sz="4000" dirty="0"/>
+              <a:t>*</a:t>
+            </a:r>
+            <a:r>
+              <a:rPr lang="en-US" altLang="zh-Hant" sz="4000" dirty="0"/>
+              <a:t>/</a:t>
+            </a:r>
+            <a:endParaRPr lang="en-US" sz="4000" dirty="0"/>
+          </a:p>
+        </p:txBody>
+      </p:sp>
+    </p:spTree>
+    <p:extLst>
+      <p:ext uri="{BB962C8B-B14F-4D97-AF65-F5344CB8AC3E}">
+        <p14:creationId xmlns:p14="http://schemas.microsoft.com/office/powerpoint/2010/main" val="1768328496"/>
+      </p:ext>
+    </p:extLst>
+  </p:cSld>
+  <p:clrMapOvr>
+    <a:masterClrMapping/>
+  </p:clrMapOvr>
+</p:sld>
+</file>
+
+<file path=ppt/slides/slide4.xml><?xml version="1.0" encoding="utf-8"?>
+<p:sld xmlns:a="http://schemas.openxmlformats.org/drawingml/2006/main" xmlns:r="http://schemas.openxmlformats.org/officeDocument/2006/relationships" xmlns:p="http://schemas.openxmlformats.org/presentationml/2006/main">
+  <p:cSld>
+    <p:spTree>
+      <p:nvGrpSpPr>
+        <p:cNvPr id="1" name=""/>
+        <p:cNvGrpSpPr/>
+        <p:nvPr/>
+      </p:nvGrpSpPr>
+      <p:grpSpPr>
+        <a:xfrm>
+          <a:off x="0" y="0"/>
+          <a:ext cx="0" cy="0"/>
+          <a:chOff x="0" y="0"/>
+          <a:chExt cx="0" cy="0"/>
+        </a:xfrm>
+      </p:grpSpPr>
+      <p:sp>
+        <p:nvSpPr>
+          <p:cNvPr id="3" name="Content Placeholder 2">
+            <a:extLst>
+              <a:ext uri="{FF2B5EF4-FFF2-40B4-BE49-F238E27FC236}">
+                <a16:creationId xmlns:a16="http://schemas.microsoft.com/office/drawing/2014/main" id="{80A57EE7-B312-314E-8481-9F07AD724026}"/>
+              </a:ext>
+            </a:extLst>
+          </p:cNvPr>
+          <p:cNvSpPr>
+            <a:spLocks noGrp="1"/>
+          </p:cNvSpPr>
+          <p:nvPr>
+            <p:ph idx="1"/>
+          </p:nvPr>
+        </p:nvSpPr>
+        <p:spPr>
+          <a:xfrm>
+            <a:off x="682083" y="1792171"/>
+            <a:ext cx="10515600" cy="3738833"/>
+          </a:xfrm>
+        </p:spPr>
+        <p:txBody>
+          <a:bodyPr>
+            <a:normAutofit fontScale="92500" lnSpcReduction="20000"/>
+          </a:bodyPr>
+          <a:lstStyle/>
+          <a:p>
+            <a:pPr marL="0" indent="0" algn="ctr">
+              <a:buNone/>
+            </a:pPr>
+            <a:r>
+              <a:rPr lang="en-US" altLang="zh-Hant" sz="16600" dirty="0"/>
+              <a:t>Questions</a:t>
+            </a:r>
+          </a:p>
+          <a:p>
+            <a:pPr marL="0" indent="0" algn="ctr">
+              <a:buNone/>
+            </a:pPr>
+            <a:r>
+              <a:rPr lang="en-US" altLang="zh-Hant" sz="16600" dirty="0"/>
+              <a:t>Password</a:t>
+            </a:r>
+            <a:endParaRPr lang="en-US" sz="16600" dirty="0"/>
+          </a:p>
+        </p:txBody>
+      </p:sp>
+    </p:spTree>
+    <p:extLst>
+      <p:ext uri="{BB962C8B-B14F-4D97-AF65-F5344CB8AC3E}">
+        <p14:creationId xmlns:p14="http://schemas.microsoft.com/office/powerpoint/2010/main" val="202178943"/>
       </p:ext>
     </p:extLst>
   </p:cSld>

--- a/program/pc2/tutorial.pptx
+++ b/program/pc2/tutorial.pptx
@@ -262,7 +262,7 @@
           <a:p>
             <a:fld id="{6F4F3C0F-68D1-CD43-B9A4-F78AD3DE9B8B}" type="datetimeFigureOut">
               <a:rPr lang="en-US" smtClean="0"/>
-              <a:t>2/23/18</a:t>
+              <a:t>2/24/18</a:t>
             </a:fld>
             <a:endParaRPr lang="en-US"/>
           </a:p>
@@ -460,7 +460,7 @@
           <a:p>
             <a:fld id="{6F4F3C0F-68D1-CD43-B9A4-F78AD3DE9B8B}" type="datetimeFigureOut">
               <a:rPr lang="en-US" smtClean="0"/>
-              <a:t>2/23/18</a:t>
+              <a:t>2/24/18</a:t>
             </a:fld>
             <a:endParaRPr lang="en-US"/>
           </a:p>
@@ -668,7 +668,7 @@
           <a:p>
             <a:fld id="{6F4F3C0F-68D1-CD43-B9A4-F78AD3DE9B8B}" type="datetimeFigureOut">
               <a:rPr lang="en-US" smtClean="0"/>
-              <a:t>2/23/18</a:t>
+              <a:t>2/24/18</a:t>
             </a:fld>
             <a:endParaRPr lang="en-US"/>
           </a:p>
@@ -866,7 +866,7 @@
           <a:p>
             <a:fld id="{6F4F3C0F-68D1-CD43-B9A4-F78AD3DE9B8B}" type="datetimeFigureOut">
               <a:rPr lang="en-US" smtClean="0"/>
-              <a:t>2/23/18</a:t>
+              <a:t>2/24/18</a:t>
             </a:fld>
             <a:endParaRPr lang="en-US"/>
           </a:p>
@@ -1141,7 +1141,7 @@
           <a:p>
             <a:fld id="{6F4F3C0F-68D1-CD43-B9A4-F78AD3DE9B8B}" type="datetimeFigureOut">
               <a:rPr lang="en-US" smtClean="0"/>
-              <a:t>2/23/18</a:t>
+              <a:t>2/24/18</a:t>
             </a:fld>
             <a:endParaRPr lang="en-US"/>
           </a:p>
@@ -1406,7 +1406,7 @@
           <a:p>
             <a:fld id="{6F4F3C0F-68D1-CD43-B9A4-F78AD3DE9B8B}" type="datetimeFigureOut">
               <a:rPr lang="en-US" smtClean="0"/>
-              <a:t>2/23/18</a:t>
+              <a:t>2/24/18</a:t>
             </a:fld>
             <a:endParaRPr lang="en-US"/>
           </a:p>
@@ -1818,7 +1818,7 @@
           <a:p>
             <a:fld id="{6F4F3C0F-68D1-CD43-B9A4-F78AD3DE9B8B}" type="datetimeFigureOut">
               <a:rPr lang="en-US" smtClean="0"/>
-              <a:t>2/23/18</a:t>
+              <a:t>2/24/18</a:t>
             </a:fld>
             <a:endParaRPr lang="en-US"/>
           </a:p>
@@ -1959,7 +1959,7 @@
           <a:p>
             <a:fld id="{6F4F3C0F-68D1-CD43-B9A4-F78AD3DE9B8B}" type="datetimeFigureOut">
               <a:rPr lang="en-US" smtClean="0"/>
-              <a:t>2/23/18</a:t>
+              <a:t>2/24/18</a:t>
             </a:fld>
             <a:endParaRPr lang="en-US"/>
           </a:p>
@@ -2072,7 +2072,7 @@
           <a:p>
             <a:fld id="{6F4F3C0F-68D1-CD43-B9A4-F78AD3DE9B8B}" type="datetimeFigureOut">
               <a:rPr lang="en-US" smtClean="0"/>
-              <a:t>2/23/18</a:t>
+              <a:t>2/24/18</a:t>
             </a:fld>
             <a:endParaRPr lang="en-US"/>
           </a:p>
@@ -2383,7 +2383,7 @@
           <a:p>
             <a:fld id="{6F4F3C0F-68D1-CD43-B9A4-F78AD3DE9B8B}" type="datetimeFigureOut">
               <a:rPr lang="en-US" smtClean="0"/>
-              <a:t>2/23/18</a:t>
+              <a:t>2/24/18</a:t>
             </a:fld>
             <a:endParaRPr lang="en-US"/>
           </a:p>
@@ -2671,7 +2671,7 @@
           <a:p>
             <a:fld id="{6F4F3C0F-68D1-CD43-B9A4-F78AD3DE9B8B}" type="datetimeFigureOut">
               <a:rPr lang="en-US" smtClean="0"/>
-              <a:t>2/23/18</a:t>
+              <a:t>2/24/18</a:t>
             </a:fld>
             <a:endParaRPr lang="en-US"/>
           </a:p>
@@ -2912,7 +2912,7 @@
           <a:p>
             <a:fld id="{6F4F3C0F-68D1-CD43-B9A4-F78AD3DE9B8B}" type="datetimeFigureOut">
               <a:rPr lang="en-US" smtClean="0"/>
-              <a:t>2/23/18</a:t>
+              <a:t>2/24/18</a:t>
             </a:fld>
             <a:endParaRPr lang="en-US"/>
           </a:p>
@@ -3864,6 +3864,87 @@
       </p:sp>
       <p:sp>
         <p:nvSpPr>
+          <p:cNvPr id="3" name="TextBox 2">
+            <a:extLst>
+              <a:ext uri="{FF2B5EF4-FFF2-40B4-BE49-F238E27FC236}">
+                <a16:creationId xmlns:a16="http://schemas.microsoft.com/office/drawing/2014/main" id="{1F604958-C74D-1E4E-B36A-9D3368421A89}"/>
+              </a:ext>
+            </a:extLst>
+          </p:cNvPr>
+          <p:cNvSpPr txBox="1"/>
+          <p:nvPr/>
+        </p:nvSpPr>
+        <p:spPr>
+          <a:xfrm>
+            <a:off x="838200" y="1690688"/>
+            <a:ext cx="9159943" cy="4247317"/>
+          </a:xfrm>
+          <a:prstGeom prst="rect">
+            <a:avLst/>
+          </a:prstGeom>
+          <a:noFill/>
+        </p:spPr>
+        <p:txBody>
+          <a:bodyPr wrap="none" rtlCol="0">
+            <a:spAutoFit/>
+          </a:bodyPr>
+          <a:lstStyle/>
+          <a:p>
+            <a:r>
+              <a:rPr lang="en-US" altLang="zh-Hant" sz="5400" dirty="0"/>
+              <a:t>pc2_[date]:</a:t>
+            </a:r>
+          </a:p>
+          <a:p>
+            <a:r>
+              <a:rPr lang="en-US" sz="5400" dirty="0"/>
+              <a:t>	</a:t>
+            </a:r>
+            <a:r>
+              <a:rPr lang="en-US" altLang="zh-Hant" sz="5400" dirty="0"/>
+              <a:t>pc2</a:t>
+            </a:r>
+          </a:p>
+          <a:p>
+            <a:endParaRPr lang="en-US" sz="5400" dirty="0"/>
+          </a:p>
+          <a:p>
+            <a:r>
+              <a:rPr lang="en-US" altLang="zh-Hant" sz="5400" dirty="0"/>
+              <a:t>questions_[date].zip:</a:t>
+            </a:r>
+          </a:p>
+          <a:p>
+            <a:r>
+              <a:rPr lang="en-US" sz="5400" dirty="0"/>
+              <a:t>	</a:t>
+            </a:r>
+            <a:r>
+              <a:rPr lang="en-US" altLang="zh-Hant" sz="5400" dirty="0"/>
+              <a:t>competition</a:t>
+            </a:r>
+            <a:r>
+              <a:rPr lang="zh-Hant" altLang="en-US" sz="5400" dirty="0"/>
+              <a:t> </a:t>
+            </a:r>
+            <a:r>
+              <a:rPr lang="en-US" altLang="zh-Hant" sz="5400" dirty="0"/>
+              <a:t>questions</a:t>
+            </a:r>
+            <a:r>
+              <a:rPr lang="zh-Hant" altLang="en-US" sz="5400" dirty="0"/>
+              <a:t> </a:t>
+            </a:r>
+            <a:r>
+              <a:rPr lang="en-US" altLang="zh-Hant" sz="5400" dirty="0"/>
+              <a:t>today</a:t>
+            </a:r>
+            <a:endParaRPr lang="en-US" sz="5400" dirty="0"/>
+          </a:p>
+        </p:txBody>
+      </p:sp>
+      <p:sp>
+        <p:nvSpPr>
           <p:cNvPr id="4" name="Rectangle 3">
             <a:extLst>
               <a:ext uri="{FF2B5EF4-FFF2-40B4-BE49-F238E27FC236}">
@@ -3876,8 +3957,8 @@
         </p:nvSpPr>
         <p:spPr>
           <a:xfrm>
-            <a:off x="1336645" y="3132821"/>
-            <a:ext cx="9338967" cy="707886"/>
+            <a:off x="3550456" y="2723863"/>
+            <a:ext cx="7520585" cy="584775"/>
           </a:xfrm>
           <a:prstGeom prst="rect">
             <a:avLst/>
@@ -3890,50 +3971,98 @@
           <a:lstStyle/>
           <a:p>
             <a:r>
-              <a:rPr lang="en-US" altLang="zh-Hant" sz="4000" dirty="0"/>
+              <a:rPr lang="en-US" altLang="zh-Hant" sz="3200" dirty="0">
+                <a:solidFill>
+                  <a:srgbClr val="FF0000"/>
+                </a:solidFill>
+              </a:rPr>
               <a:t>/</a:t>
             </a:r>
             <a:r>
-              <a:rPr lang="zh-Hant" altLang="en-US" sz="4000" dirty="0"/>
+              <a:rPr lang="zh-Hant" altLang="en-US" sz="3200" dirty="0">
+                <a:solidFill>
+                  <a:srgbClr val="FF0000"/>
+                </a:solidFill>
+              </a:rPr>
               <a:t>* </a:t>
             </a:r>
             <a:r>
-              <a:rPr lang="en-US" altLang="zh-Hant" sz="4000" dirty="0"/>
+              <a:rPr lang="en-US" altLang="zh-Hant" sz="3200" dirty="0">
+                <a:solidFill>
+                  <a:srgbClr val="FF0000"/>
+                </a:solidFill>
+              </a:rPr>
               <a:t>open</a:t>
             </a:r>
             <a:r>
-              <a:rPr lang="zh-Hant" altLang="en-US" sz="4000" dirty="0"/>
+              <a:rPr lang="zh-Hant" altLang="en-US" sz="3200" dirty="0">
+                <a:solidFill>
+                  <a:srgbClr val="FF0000"/>
+                </a:solidFill>
+              </a:rPr>
               <a:t> </a:t>
             </a:r>
             <a:r>
-              <a:rPr lang="en-US" altLang="zh-Hant" sz="4000" dirty="0"/>
+              <a:rPr lang="en-US" altLang="zh-Hant" sz="3200" dirty="0">
+                <a:solidFill>
+                  <a:srgbClr val="FF0000"/>
+                </a:solidFill>
+              </a:rPr>
               <a:t>“pc2/bin/pc2team”</a:t>
             </a:r>
             <a:r>
-              <a:rPr lang="zh-Hant" altLang="en-US" sz="4000" dirty="0"/>
+              <a:rPr lang="zh-Hant" altLang="en-US" sz="3200" dirty="0">
+                <a:solidFill>
+                  <a:srgbClr val="FF0000"/>
+                </a:solidFill>
+              </a:rPr>
               <a:t> </a:t>
             </a:r>
             <a:r>
-              <a:rPr lang="en-US" altLang="zh-Hant" sz="4000" dirty="0"/>
+              <a:rPr lang="en-US" altLang="zh-Hant" sz="3200" dirty="0">
+                <a:solidFill>
+                  <a:srgbClr val="FF0000"/>
+                </a:solidFill>
+              </a:rPr>
               <a:t>from</a:t>
             </a:r>
             <a:r>
-              <a:rPr lang="zh-Hant" altLang="en-US" sz="4000" dirty="0"/>
+              <a:rPr lang="zh-Hant" altLang="en-US" sz="3200" dirty="0">
+                <a:solidFill>
+                  <a:srgbClr val="FF0000"/>
+                </a:solidFill>
+              </a:rPr>
               <a:t> </a:t>
             </a:r>
             <a:r>
-              <a:rPr lang="en-US" altLang="zh-Hant" sz="4000" dirty="0"/>
+              <a:rPr lang="en-US" altLang="zh-Hant" sz="3200" dirty="0">
+                <a:solidFill>
+                  <a:srgbClr val="FF0000"/>
+                </a:solidFill>
+              </a:rPr>
               <a:t>desktop</a:t>
             </a:r>
             <a:r>
-              <a:rPr lang="zh-Hant" altLang="en-US" sz="4000" dirty="0"/>
+              <a:rPr lang="zh-Hant" altLang="en-US" sz="3200" dirty="0">
+                <a:solidFill>
+                  <a:srgbClr val="FF0000"/>
+                </a:solidFill>
+              </a:rPr>
               <a:t>*</a:t>
             </a:r>
             <a:r>
-              <a:rPr lang="en-US" altLang="zh-Hant" sz="4000" dirty="0"/>
+              <a:rPr lang="en-US" altLang="zh-Hant" sz="3200" dirty="0">
+                <a:solidFill>
+                  <a:srgbClr val="FF0000"/>
+                </a:solidFill>
+              </a:rPr>
               <a:t>/</a:t>
             </a:r>
-            <a:endParaRPr lang="en-US" sz="4000" dirty="0"/>
+            <a:endParaRPr lang="en-US" sz="3200" dirty="0">
+              <a:solidFill>
+                <a:srgbClr val="FF0000"/>
+              </a:solidFill>
+            </a:endParaRPr>
           </a:p>
         </p:txBody>
       </p:sp>
